--- a/Tutorial 2/Tutorial 2 - Logic of Quantified Statements.pptx
+++ b/Tutorial 2/Tutorial 2 - Logic of Quantified Statements.pptx
@@ -3857,6 +3857,12 @@
             <a:r>
               <a:rPr lang="en-MY" dirty="0"/>
               <a:t>AY18/19 – WEEK 4</a:t>
+            </a:r>
+          </a:p>
+          <a:p>
+            <a:r>
+              <a:rPr lang="en-MY" dirty="0"/>
+              <a:t>Andrew Tan</a:t>
             </a:r>
           </a:p>
           <a:p>
